--- a/Final Mastery/final mastery.pptx
+++ b/Final Mastery/final mastery.pptx
@@ -11,6 +11,8 @@
     <p:sldId id="256" r:id="rId6"/>
     <p:sldId id="257" r:id="rId7"/>
     <p:sldId id="258" r:id="rId8"/>
+    <p:sldId id="259" r:id="rId9"/>
+    <p:sldId id="260" r:id="rId10"/>
   </p:sldIdLst>
   <p:sldSz cy="5143500" cx="9144000"/>
   <p:notesSz cx="6858000" cy="9144000"/>
@@ -806,7 +808,7 @@
       </p:grpSpPr>
       <p:sp>
         <p:nvSpPr>
-          <p:cNvPr id="71" name="Google Shape;71;g2a24dc99c89_0_65:notes"/>
+          <p:cNvPr id="71" name="Google Shape;71;g262e9656969_0_0:notes"/>
           <p:cNvSpPr/>
           <p:nvPr>
             <p:ph idx="2" type="sldImg"/>
@@ -841,7 +843,7 @@
       </p:sp>
       <p:sp>
         <p:nvSpPr>
-          <p:cNvPr id="72" name="Google Shape;72;g2a24dc99c89_0_65:notes"/>
+          <p:cNvPr id="72" name="Google Shape;72;g262e9656969_0_0:notes"/>
           <p:cNvSpPr txBox="1"/>
           <p:nvPr>
             <p:ph idx="1" type="body"/>
@@ -891,7 +893,7 @@
   <p:cSld>
     <p:spTree>
       <p:nvGrpSpPr>
-        <p:cNvPr id="79" name="Shape 79"/>
+        <p:cNvPr id="78" name="Shape 78"/>
         <p:cNvGrpSpPr/>
         <p:nvPr/>
       </p:nvGrpSpPr>
@@ -905,7 +907,7 @@
       </p:grpSpPr>
       <p:sp>
         <p:nvSpPr>
-          <p:cNvPr id="80" name="Google Shape;80;g2a24dc99c89_0_118:notes"/>
+          <p:cNvPr id="79" name="Google Shape;79;g2a24dc99c89_0_65:notes"/>
           <p:cNvSpPr/>
           <p:nvPr>
             <p:ph idx="2" type="sldImg"/>
@@ -940,7 +942,205 @@
       </p:sp>
       <p:sp>
         <p:nvSpPr>
-          <p:cNvPr id="81" name="Google Shape;81;g2a24dc99c89_0_118:notes"/>
+          <p:cNvPr id="80" name="Google Shape;80;g2a24dc99c89_0_65:notes"/>
+          <p:cNvSpPr txBox="1"/>
+          <p:nvPr>
+            <p:ph idx="1" type="body"/>
+          </p:nvPr>
+        </p:nvSpPr>
+        <p:spPr>
+          <a:xfrm>
+            <a:off x="685800" y="4343400"/>
+            <a:ext cx="5486400" cy="4114800"/>
+          </a:xfrm>
+          <a:prstGeom prst="rect">
+            <a:avLst/>
+          </a:prstGeom>
+        </p:spPr>
+        <p:txBody>
+          <a:bodyPr anchorCtr="0" anchor="t" bIns="91425" lIns="91425" spcFirstLastPara="1" rIns="91425" wrap="square" tIns="91425">
+            <a:noAutofit/>
+          </a:bodyPr>
+          <a:lstStyle/>
+          <a:p>
+            <a:pPr indent="0" lvl="0" marL="0" rtl="0" algn="l">
+              <a:spcBef>
+                <a:spcPts val="0"/>
+              </a:spcBef>
+              <a:spcAft>
+                <a:spcPts val="0"/>
+              </a:spcAft>
+              <a:buNone/>
+            </a:pPr>
+            <a:r>
+              <a:t/>
+            </a:r>
+            <a:endParaRPr/>
+          </a:p>
+        </p:txBody>
+      </p:sp>
+    </p:spTree>
+  </p:cSld>
+  <p:clrMapOvr>
+    <a:masterClrMapping/>
+  </p:clrMapOvr>
+</p:notes>
+</file>
+
+<file path=ppt/notesSlides/notesSlide4.xml><?xml version="1.0" encoding="utf-8"?>
+<p:notes xmlns:a="http://schemas.openxmlformats.org/drawingml/2006/main" xmlns:r="http://schemas.openxmlformats.org/officeDocument/2006/relationships" xmlns:mc="http://schemas.openxmlformats.org/markup-compatibility/2006" xmlns:mv="urn:schemas-microsoft-com:mac:vml" xmlns:p="http://schemas.openxmlformats.org/presentationml/2006/main" xmlns:c="http://schemas.openxmlformats.org/drawingml/2006/chart" xmlns:dgm="http://schemas.openxmlformats.org/drawingml/2006/diagram" xmlns:o="urn:schemas-microsoft-com:office:office" xmlns:v="urn:schemas-microsoft-com:vml" xmlns:pvml="urn:schemas-microsoft-com:office:powerpoint" xmlns:com="http://schemas.openxmlformats.org/drawingml/2006/compatibility" xmlns:p14="http://schemas.microsoft.com/office/powerpoint/2010/main" xmlns:p15="http://schemas.microsoft.com/office/powerpoint/2012/main" xmlns:ahyp="http://schemas.microsoft.com/office/drawing/2018/hyperlinkcolor" showMasterPhAnim="0" showMasterSp="0">
+  <p:cSld>
+    <p:spTree>
+      <p:nvGrpSpPr>
+        <p:cNvPr id="87" name="Shape 87"/>
+        <p:cNvGrpSpPr/>
+        <p:nvPr/>
+      </p:nvGrpSpPr>
+      <p:grpSpPr>
+        <a:xfrm>
+          <a:off x="0" y="0"/>
+          <a:ext cx="0" cy="0"/>
+          <a:chOff x="0" y="0"/>
+          <a:chExt cx="0" cy="0"/>
+        </a:xfrm>
+      </p:grpSpPr>
+      <p:sp>
+        <p:nvSpPr>
+          <p:cNvPr id="88" name="Google Shape;88;g2a24dc99c89_0_118:notes"/>
+          <p:cNvSpPr/>
+          <p:nvPr>
+            <p:ph idx="2" type="sldImg"/>
+          </p:nvPr>
+        </p:nvSpPr>
+        <p:spPr>
+          <a:xfrm>
+            <a:off x="381300" y="685800"/>
+            <a:ext cx="6096000" cy="3429000"/>
+          </a:xfrm>
+          <a:custGeom>
+            <a:rect b="b" l="l" r="r" t="t"/>
+            <a:pathLst>
+              <a:path extrusionOk="0" h="120000" w="120000">
+                <a:moveTo>
+                  <a:pt x="0" y="0"/>
+                </a:moveTo>
+                <a:lnTo>
+                  <a:pt x="120000" y="0"/>
+                </a:lnTo>
+                <a:lnTo>
+                  <a:pt x="120000" y="120000"/>
+                </a:lnTo>
+                <a:lnTo>
+                  <a:pt x="0" y="120000"/>
+                </a:lnTo>
+                <a:close/>
+              </a:path>
+            </a:pathLst>
+          </a:custGeom>
+        </p:spPr>
+      </p:sp>
+      <p:sp>
+        <p:nvSpPr>
+          <p:cNvPr id="89" name="Google Shape;89;g2a24dc99c89_0_118:notes"/>
+          <p:cNvSpPr txBox="1"/>
+          <p:nvPr>
+            <p:ph idx="1" type="body"/>
+          </p:nvPr>
+        </p:nvSpPr>
+        <p:spPr>
+          <a:xfrm>
+            <a:off x="685800" y="4343400"/>
+            <a:ext cx="5486400" cy="4114800"/>
+          </a:xfrm>
+          <a:prstGeom prst="rect">
+            <a:avLst/>
+          </a:prstGeom>
+        </p:spPr>
+        <p:txBody>
+          <a:bodyPr anchorCtr="0" anchor="t" bIns="91425" lIns="91425" spcFirstLastPara="1" rIns="91425" wrap="square" tIns="91425">
+            <a:noAutofit/>
+          </a:bodyPr>
+          <a:lstStyle/>
+          <a:p>
+            <a:pPr indent="0" lvl="0" marL="0" rtl="0" algn="l">
+              <a:spcBef>
+                <a:spcPts val="0"/>
+              </a:spcBef>
+              <a:spcAft>
+                <a:spcPts val="0"/>
+              </a:spcAft>
+              <a:buNone/>
+            </a:pPr>
+            <a:r>
+              <a:t/>
+            </a:r>
+            <a:endParaRPr/>
+          </a:p>
+        </p:txBody>
+      </p:sp>
+    </p:spTree>
+  </p:cSld>
+  <p:clrMapOvr>
+    <a:masterClrMapping/>
+  </p:clrMapOvr>
+</p:notes>
+</file>
+
+<file path=ppt/notesSlides/notesSlide5.xml><?xml version="1.0" encoding="utf-8"?>
+<p:notes xmlns:a="http://schemas.openxmlformats.org/drawingml/2006/main" xmlns:r="http://schemas.openxmlformats.org/officeDocument/2006/relationships" xmlns:mc="http://schemas.openxmlformats.org/markup-compatibility/2006" xmlns:mv="urn:schemas-microsoft-com:mac:vml" xmlns:p="http://schemas.openxmlformats.org/presentationml/2006/main" xmlns:c="http://schemas.openxmlformats.org/drawingml/2006/chart" xmlns:dgm="http://schemas.openxmlformats.org/drawingml/2006/diagram" xmlns:o="urn:schemas-microsoft-com:office:office" xmlns:v="urn:schemas-microsoft-com:vml" xmlns:pvml="urn:schemas-microsoft-com:office:powerpoint" xmlns:com="http://schemas.openxmlformats.org/drawingml/2006/compatibility" xmlns:p14="http://schemas.microsoft.com/office/powerpoint/2010/main" xmlns:p15="http://schemas.microsoft.com/office/powerpoint/2012/main" xmlns:ahyp="http://schemas.microsoft.com/office/drawing/2018/hyperlinkcolor" showMasterPhAnim="0" showMasterSp="0">
+  <p:cSld>
+    <p:spTree>
+      <p:nvGrpSpPr>
+        <p:cNvPr id="103" name="Shape 103"/>
+        <p:cNvGrpSpPr/>
+        <p:nvPr/>
+      </p:nvGrpSpPr>
+      <p:grpSpPr>
+        <a:xfrm>
+          <a:off x="0" y="0"/>
+          <a:ext cx="0" cy="0"/>
+          <a:chOff x="0" y="0"/>
+          <a:chExt cx="0" cy="0"/>
+        </a:xfrm>
+      </p:grpSpPr>
+      <p:sp>
+        <p:nvSpPr>
+          <p:cNvPr id="104" name="Google Shape;104;g2a2a8461c46_0_0:notes"/>
+          <p:cNvSpPr/>
+          <p:nvPr>
+            <p:ph idx="2" type="sldImg"/>
+          </p:nvPr>
+        </p:nvSpPr>
+        <p:spPr>
+          <a:xfrm>
+            <a:off x="381300" y="685800"/>
+            <a:ext cx="6096000" cy="3429000"/>
+          </a:xfrm>
+          <a:custGeom>
+            <a:rect b="b" l="l" r="r" t="t"/>
+            <a:pathLst>
+              <a:path extrusionOk="0" h="120000" w="120000">
+                <a:moveTo>
+                  <a:pt x="0" y="0"/>
+                </a:moveTo>
+                <a:lnTo>
+                  <a:pt x="120000" y="0"/>
+                </a:lnTo>
+                <a:lnTo>
+                  <a:pt x="120000" y="120000"/>
+                </a:lnTo>
+                <a:lnTo>
+                  <a:pt x="0" y="120000"/>
+                </a:lnTo>
+                <a:close/>
+              </a:path>
+            </a:pathLst>
+          </a:custGeom>
+        </p:spPr>
+      </p:sp>
+      <p:sp>
+        <p:nvSpPr>
+          <p:cNvPr id="105" name="Google Shape;105;g2a2a8461c46_0_0:notes"/>
           <p:cNvSpPr txBox="1"/>
           <p:nvPr>
             <p:ph idx="1" type="body"/>
@@ -5661,8 +5861,8 @@
         </p:nvSpPr>
         <p:spPr>
           <a:xfrm>
-            <a:off x="1644400" y="192725"/>
-            <a:ext cx="8520600" cy="572700"/>
+            <a:off x="192050" y="109775"/>
+            <a:ext cx="9584100" cy="879000"/>
           </a:xfrm>
           <a:prstGeom prst="rect">
             <a:avLst/>
@@ -5688,6 +5888,22 @@
               <a:t>Two-Level Translation Lookaside Buffers</a:t>
             </a:r>
             <a:endParaRPr/>
+          </a:p>
+          <a:p>
+            <a:pPr indent="0" lvl="0" marL="0" rtl="0" algn="l">
+              <a:spcBef>
+                <a:spcPts val="0"/>
+              </a:spcBef>
+              <a:spcAft>
+                <a:spcPts val="0"/>
+              </a:spcAft>
+              <a:buNone/>
+            </a:pPr>
+            <a:r>
+              <a:rPr lang="en" sz="2000"/>
+              <a:t>Current Implementation</a:t>
+            </a:r>
+            <a:endParaRPr sz="2000"/>
           </a:p>
         </p:txBody>
       </p:sp>
@@ -6753,6 +6969,327 @@
         </p:nvSpPr>
         <p:spPr>
           <a:xfrm>
+            <a:off x="157850" y="153075"/>
+            <a:ext cx="5116500" cy="4561800"/>
+          </a:xfrm>
+          <a:prstGeom prst="rect">
+            <a:avLst/>
+          </a:prstGeom>
+        </p:spPr>
+        <p:txBody>
+          <a:bodyPr anchorCtr="0" anchor="t" bIns="91425" lIns="91425" spcFirstLastPara="1" rIns="91425" wrap="square" tIns="91425">
+            <a:normAutofit fontScale="90000"/>
+          </a:bodyPr>
+          <a:lstStyle/>
+          <a:p>
+            <a:pPr indent="0" lvl="0" marL="0" rtl="0" algn="l">
+              <a:spcBef>
+                <a:spcPts val="0"/>
+              </a:spcBef>
+              <a:spcAft>
+                <a:spcPts val="0"/>
+              </a:spcAft>
+              <a:buNone/>
+            </a:pPr>
+            <a:r>
+              <a:t/>
+            </a:r>
+            <a:endParaRPr/>
+          </a:p>
+          <a:p>
+            <a:pPr indent="0" lvl="0" marL="0" rtl="0" algn="l">
+              <a:spcBef>
+                <a:spcPts val="0"/>
+              </a:spcBef>
+              <a:spcAft>
+                <a:spcPts val="0"/>
+              </a:spcAft>
+              <a:buNone/>
+            </a:pPr>
+            <a:r>
+              <a:t/>
+            </a:r>
+            <a:endParaRPr/>
+          </a:p>
+          <a:p>
+            <a:pPr indent="0" lvl="0" marL="0" rtl="0" algn="l">
+              <a:spcBef>
+                <a:spcPts val="0"/>
+              </a:spcBef>
+              <a:spcAft>
+                <a:spcPts val="0"/>
+              </a:spcAft>
+              <a:buNone/>
+            </a:pPr>
+            <a:r>
+              <a:rPr lang="en" sz="2000"/>
+              <a:t>Future design: Considering shared TLB entries</a:t>
+            </a:r>
+            <a:endParaRPr sz="2000"/>
+          </a:p>
+          <a:p>
+            <a:pPr indent="0" lvl="0" marL="0" rtl="0" algn="l">
+              <a:spcBef>
+                <a:spcPts val="0"/>
+              </a:spcBef>
+              <a:spcAft>
+                <a:spcPts val="0"/>
+              </a:spcAft>
+              <a:buNone/>
+            </a:pPr>
+            <a:r>
+              <a:t/>
+            </a:r>
+            <a:endParaRPr sz="2000"/>
+          </a:p>
+          <a:p>
+            <a:pPr indent="0" lvl="0" marL="0" rtl="0" algn="l">
+              <a:spcBef>
+                <a:spcPts val="0"/>
+              </a:spcBef>
+              <a:spcAft>
+                <a:spcPts val="0"/>
+              </a:spcAft>
+              <a:buNone/>
+            </a:pPr>
+            <a:r>
+              <a:t/>
+            </a:r>
+            <a:endParaRPr sz="2000"/>
+          </a:p>
+          <a:p>
+            <a:pPr indent="0" lvl="0" marL="0" rtl="0" algn="l">
+              <a:spcBef>
+                <a:spcPts val="0"/>
+              </a:spcBef>
+              <a:spcAft>
+                <a:spcPts val="0"/>
+              </a:spcAft>
+              <a:buNone/>
+            </a:pPr>
+            <a:r>
+              <a:rPr lang="en" sz="2000"/>
+              <a:t>Shared TLB entries can be designed for shared physical pages among different processes (e.g. shared libraries), so that the same address mapping does not appear multiple times in TLB.</a:t>
+            </a:r>
+            <a:endParaRPr sz="2000"/>
+          </a:p>
+          <a:p>
+            <a:pPr indent="0" lvl="0" marL="0" rtl="0" algn="l">
+              <a:spcBef>
+                <a:spcPts val="0"/>
+              </a:spcBef>
+              <a:spcAft>
+                <a:spcPts val="0"/>
+              </a:spcAft>
+              <a:buNone/>
+            </a:pPr>
+            <a:r>
+              <a:t/>
+            </a:r>
+            <a:endParaRPr sz="2000"/>
+          </a:p>
+          <a:p>
+            <a:pPr indent="0" lvl="0" marL="0" rtl="0" algn="l">
+              <a:spcBef>
+                <a:spcPts val="0"/>
+              </a:spcBef>
+              <a:spcAft>
+                <a:spcPts val="0"/>
+              </a:spcAft>
+              <a:buNone/>
+            </a:pPr>
+            <a:r>
+              <a:rPr lang="en" sz="2000"/>
+              <a:t>When designing the corresponding flushing policies, try to avoid flushing these shared entries.</a:t>
+            </a:r>
+            <a:endParaRPr sz="2000"/>
+          </a:p>
+          <a:p>
+            <a:pPr indent="0" lvl="0" marL="0" rtl="0" algn="l">
+              <a:spcBef>
+                <a:spcPts val="0"/>
+              </a:spcBef>
+              <a:spcAft>
+                <a:spcPts val="0"/>
+              </a:spcAft>
+              <a:buNone/>
+            </a:pPr>
+            <a:r>
+              <a:t/>
+            </a:r>
+            <a:endParaRPr sz="2000"/>
+          </a:p>
+          <a:p>
+            <a:pPr indent="0" lvl="0" marL="0" rtl="0" algn="l">
+              <a:spcBef>
+                <a:spcPts val="0"/>
+              </a:spcBef>
+              <a:spcAft>
+                <a:spcPts val="0"/>
+              </a:spcAft>
+              <a:buNone/>
+            </a:pPr>
+            <a:r>
+              <a:t/>
+            </a:r>
+            <a:endParaRPr sz="2000"/>
+          </a:p>
+        </p:txBody>
+      </p:sp>
+      <p:sp>
+        <p:nvSpPr>
+          <p:cNvPr id="75" name="Google Shape;75;p14"/>
+          <p:cNvSpPr txBox="1"/>
+          <p:nvPr/>
+        </p:nvSpPr>
+        <p:spPr>
+          <a:xfrm>
+            <a:off x="157850" y="4594200"/>
+            <a:ext cx="7875000" cy="540300"/>
+          </a:xfrm>
+          <a:prstGeom prst="rect">
+            <a:avLst/>
+          </a:prstGeom>
+          <a:noFill/>
+          <a:ln>
+            <a:noFill/>
+          </a:ln>
+        </p:spPr>
+        <p:txBody>
+          <a:bodyPr anchorCtr="0" anchor="t" bIns="91425" lIns="91425" spcFirstLastPara="1" rIns="91425" wrap="square" tIns="91425">
+            <a:noAutofit/>
+          </a:bodyPr>
+          <a:lstStyle/>
+          <a:p>
+            <a:pPr indent="0" lvl="0" marL="0" rtl="0" algn="l">
+              <a:spcBef>
+                <a:spcPts val="0"/>
+              </a:spcBef>
+              <a:spcAft>
+                <a:spcPts val="0"/>
+              </a:spcAft>
+              <a:buNone/>
+            </a:pPr>
+            <a:r>
+              <a:t/>
+            </a:r>
+            <a:endParaRPr b="1">
+              <a:solidFill>
+                <a:schemeClr val="dk2"/>
+              </a:solidFill>
+            </a:endParaRPr>
+          </a:p>
+        </p:txBody>
+      </p:sp>
+      <p:pic>
+        <p:nvPicPr>
+          <p:cNvPr id="76" name="Google Shape;76;p14"/>
+          <p:cNvPicPr preferRelativeResize="0"/>
+          <p:nvPr/>
+        </p:nvPicPr>
+        <p:blipFill>
+          <a:blip r:embed="rId3">
+            <a:alphaModFix/>
+          </a:blip>
+          <a:stretch>
+            <a:fillRect/>
+          </a:stretch>
+        </p:blipFill>
+        <p:spPr>
+          <a:xfrm>
+            <a:off x="5373849" y="1075575"/>
+            <a:ext cx="3429476" cy="3582436"/>
+          </a:xfrm>
+          <a:prstGeom prst="rect">
+            <a:avLst/>
+          </a:prstGeom>
+          <a:noFill/>
+          <a:ln>
+            <a:noFill/>
+          </a:ln>
+        </p:spPr>
+      </p:pic>
+      <p:sp>
+        <p:nvSpPr>
+          <p:cNvPr id="77" name="Google Shape;77;p14"/>
+          <p:cNvSpPr txBox="1"/>
+          <p:nvPr/>
+        </p:nvSpPr>
+        <p:spPr>
+          <a:xfrm>
+            <a:off x="152400" y="152400"/>
+            <a:ext cx="6998400" cy="615600"/>
+          </a:xfrm>
+          <a:prstGeom prst="rect">
+            <a:avLst/>
+          </a:prstGeom>
+          <a:noFill/>
+          <a:ln>
+            <a:noFill/>
+          </a:ln>
+        </p:spPr>
+        <p:txBody>
+          <a:bodyPr anchorCtr="0" anchor="t" bIns="91425" lIns="91425" spcFirstLastPara="1" rIns="91425" wrap="square" tIns="91425">
+            <a:spAutoFit/>
+          </a:bodyPr>
+          <a:lstStyle/>
+          <a:p>
+            <a:pPr indent="0" lvl="0" marL="0" rtl="0" algn="l">
+              <a:spcBef>
+                <a:spcPts val="0"/>
+              </a:spcBef>
+              <a:spcAft>
+                <a:spcPts val="0"/>
+              </a:spcAft>
+              <a:buNone/>
+            </a:pPr>
+            <a:r>
+              <a:rPr lang="en" sz="2800">
+                <a:solidFill>
+                  <a:schemeClr val="dk1"/>
+                </a:solidFill>
+              </a:rPr>
+              <a:t>Two-Level Translation Lookaside Buffers</a:t>
+            </a:r>
+            <a:endParaRPr/>
+          </a:p>
+        </p:txBody>
+      </p:sp>
+    </p:spTree>
+  </p:cSld>
+  <p:clrMapOvr>
+    <a:masterClrMapping/>
+  </p:clrMapOvr>
+</p:sld>
+</file>
+
+<file path=ppt/slides/slide3.xml><?xml version="1.0" encoding="utf-8"?>
+<p:sld xmlns:a="http://schemas.openxmlformats.org/drawingml/2006/main" xmlns:r="http://schemas.openxmlformats.org/officeDocument/2006/relationships" xmlns:mc="http://schemas.openxmlformats.org/markup-compatibility/2006" xmlns:mv="urn:schemas-microsoft-com:mac:vml" xmlns:p="http://schemas.openxmlformats.org/presentationml/2006/main" xmlns:c="http://schemas.openxmlformats.org/drawingml/2006/chart" xmlns:dgm="http://schemas.openxmlformats.org/drawingml/2006/diagram" xmlns:o="urn:schemas-microsoft-com:office:office" xmlns:v="urn:schemas-microsoft-com:vml" xmlns:pvml="urn:schemas-microsoft-com:office:powerpoint" xmlns:com="http://schemas.openxmlformats.org/drawingml/2006/compatibility" xmlns:p14="http://schemas.microsoft.com/office/powerpoint/2010/main" xmlns:p15="http://schemas.microsoft.com/office/powerpoint/2012/main" xmlns:ahyp="http://schemas.microsoft.com/office/drawing/2018/hyperlinkcolor">
+  <p:cSld>
+    <p:spTree>
+      <p:nvGrpSpPr>
+        <p:cNvPr id="81" name="Shape 81"/>
+        <p:cNvGrpSpPr/>
+        <p:nvPr/>
+      </p:nvGrpSpPr>
+      <p:grpSpPr>
+        <a:xfrm>
+          <a:off x="0" y="0"/>
+          <a:ext cx="0" cy="0"/>
+          <a:chOff x="0" y="0"/>
+          <a:chExt cx="0" cy="0"/>
+        </a:xfrm>
+      </p:grpSpPr>
+      <p:sp>
+        <p:nvSpPr>
+          <p:cNvPr id="82" name="Google Shape;82;p15"/>
+          <p:cNvSpPr txBox="1"/>
+          <p:nvPr>
+            <p:ph type="title"/>
+          </p:nvPr>
+        </p:nvSpPr>
+        <p:spPr>
+          <a:xfrm>
             <a:off x="382250" y="80475"/>
             <a:ext cx="8520600" cy="572700"/>
           </a:xfrm>
@@ -6785,7 +7322,7 @@
       </p:sp>
       <p:pic>
         <p:nvPicPr>
-          <p:cNvPr id="75" name="Google Shape;75;p14"/>
+          <p:cNvPr id="83" name="Google Shape;83;p15"/>
           <p:cNvPicPr preferRelativeResize="0"/>
           <p:nvPr/>
         </p:nvPicPr>
@@ -6813,7 +7350,7 @@
       </p:pic>
       <p:sp>
         <p:nvSpPr>
-          <p:cNvPr id="76" name="Google Shape;76;p14"/>
+          <p:cNvPr id="84" name="Google Shape;84;p15"/>
           <p:cNvSpPr txBox="1"/>
           <p:nvPr/>
         </p:nvSpPr>
@@ -6858,7 +7395,7 @@
       </p:sp>
       <p:sp>
         <p:nvSpPr>
-          <p:cNvPr id="77" name="Google Shape;77;p14"/>
+          <p:cNvPr id="85" name="Google Shape;85;p15"/>
           <p:cNvSpPr txBox="1"/>
           <p:nvPr/>
         </p:nvSpPr>
@@ -6959,7 +7496,7 @@
                   <a:schemeClr val="dk2"/>
                 </a:solidFill>
               </a:rPr>
-              <a:t>Insert</a:t>
+              <a:t>Insert (FIFO and Random)</a:t>
             </a:r>
             <a:endParaRPr>
               <a:solidFill>
@@ -7015,7 +7552,7 @@
                   <a:schemeClr val="dk2"/>
                 </a:solidFill>
               </a:rPr>
-              <a:t>Invalidate (remove)</a:t>
+              <a:t>Invalidate</a:t>
             </a:r>
             <a:endParaRPr>
               <a:solidFill>
@@ -7093,7 +7630,7 @@
       </p:sp>
       <p:sp>
         <p:nvSpPr>
-          <p:cNvPr id="78" name="Google Shape;78;p14"/>
+          <p:cNvPr id="86" name="Google Shape;86;p15"/>
           <p:cNvSpPr txBox="1"/>
           <p:nvPr/>
         </p:nvSpPr>
@@ -7220,12 +7757,12 @@
 </p:sld>
 </file>
 
-<file path=ppt/slides/slide3.xml><?xml version="1.0" encoding="utf-8"?>
+<file path=ppt/slides/slide4.xml><?xml version="1.0" encoding="utf-8"?>
 <p:sld xmlns:a="http://schemas.openxmlformats.org/drawingml/2006/main" xmlns:r="http://schemas.openxmlformats.org/officeDocument/2006/relationships" xmlns:mc="http://schemas.openxmlformats.org/markup-compatibility/2006" xmlns:mv="urn:schemas-microsoft-com:mac:vml" xmlns:p="http://schemas.openxmlformats.org/presentationml/2006/main" xmlns:c="http://schemas.openxmlformats.org/drawingml/2006/chart" xmlns:dgm="http://schemas.openxmlformats.org/drawingml/2006/diagram" xmlns:o="urn:schemas-microsoft-com:office:office" xmlns:v="urn:schemas-microsoft-com:vml" xmlns:pvml="urn:schemas-microsoft-com:office:powerpoint" xmlns:com="http://schemas.openxmlformats.org/drawingml/2006/compatibility" xmlns:p14="http://schemas.microsoft.com/office/powerpoint/2010/main" xmlns:p15="http://schemas.microsoft.com/office/powerpoint/2012/main" xmlns:ahyp="http://schemas.microsoft.com/office/drawing/2018/hyperlinkcolor">
   <p:cSld>
     <p:spTree>
       <p:nvGrpSpPr>
-        <p:cNvPr id="82" name="Shape 82"/>
+        <p:cNvPr id="90" name="Shape 90"/>
         <p:cNvGrpSpPr/>
         <p:nvPr/>
       </p:nvGrpSpPr>
@@ -7239,7 +7776,7 @@
       </p:grpSpPr>
       <p:sp>
         <p:nvSpPr>
-          <p:cNvPr id="83" name="Google Shape;83;p15"/>
+          <p:cNvPr id="91" name="Google Shape;91;p16"/>
           <p:cNvSpPr txBox="1"/>
           <p:nvPr>
             <p:ph type="title"/>
@@ -7279,7 +7816,7 @@
       </p:sp>
       <p:sp>
         <p:nvSpPr>
-          <p:cNvPr id="84" name="Google Shape;84;p15"/>
+          <p:cNvPr id="92" name="Google Shape;92;p16"/>
           <p:cNvSpPr txBox="1"/>
           <p:nvPr>
             <p:ph idx="1" type="body"/>
@@ -7287,8 +7824,1026 @@
         </p:nvSpPr>
         <p:spPr>
           <a:xfrm>
-            <a:off x="311700" y="1152475"/>
-            <a:ext cx="8716200" cy="3831300"/>
+            <a:off x="311700" y="1142600"/>
+            <a:ext cx="5271300" cy="1518600"/>
+          </a:xfrm>
+          <a:prstGeom prst="rect">
+            <a:avLst/>
+          </a:prstGeom>
+        </p:spPr>
+        <p:txBody>
+          <a:bodyPr anchorCtr="0" anchor="t" bIns="91425" lIns="91425" spcFirstLastPara="1" rIns="91425" wrap="square" tIns="91425">
+            <a:noAutofit/>
+          </a:bodyPr>
+          <a:lstStyle/>
+          <a:p>
+            <a:pPr indent="0" lvl="0" marL="0" rtl="0" algn="l">
+              <a:lnSpc>
+                <a:spcPct val="100000"/>
+              </a:lnSpc>
+              <a:spcBef>
+                <a:spcPts val="0"/>
+              </a:spcBef>
+              <a:spcAft>
+                <a:spcPts val="0"/>
+              </a:spcAft>
+              <a:buNone/>
+            </a:pPr>
+            <a:r>
+              <a:t/>
+            </a:r>
+            <a:endParaRPr b="1">
+              <a:solidFill>
+                <a:srgbClr val="000000"/>
+              </a:solidFill>
+            </a:endParaRPr>
+          </a:p>
+          <a:p>
+            <a:pPr indent="0" lvl="0" marL="0" rtl="0" algn="l">
+              <a:lnSpc>
+                <a:spcPct val="100000"/>
+              </a:lnSpc>
+              <a:spcBef>
+                <a:spcPts val="0"/>
+              </a:spcBef>
+              <a:spcAft>
+                <a:spcPts val="0"/>
+              </a:spcAft>
+              <a:buNone/>
+            </a:pPr>
+            <a:r>
+              <a:rPr b="1" lang="en">
+                <a:solidFill>
+                  <a:srgbClr val="000000"/>
+                </a:solidFill>
+              </a:rPr>
+              <a:t>Current replacement policies:</a:t>
+            </a:r>
+            <a:endParaRPr b="1">
+              <a:solidFill>
+                <a:srgbClr val="000000"/>
+              </a:solidFill>
+            </a:endParaRPr>
+          </a:p>
+          <a:p>
+            <a:pPr indent="0" lvl="0" marL="0" rtl="0" algn="l">
+              <a:lnSpc>
+                <a:spcPct val="100000"/>
+              </a:lnSpc>
+              <a:spcBef>
+                <a:spcPts val="0"/>
+              </a:spcBef>
+              <a:spcAft>
+                <a:spcPts val="0"/>
+              </a:spcAft>
+              <a:buNone/>
+            </a:pPr>
+            <a:r>
+              <a:t/>
+            </a:r>
+            <a:endParaRPr b="1">
+              <a:solidFill>
+                <a:srgbClr val="000000"/>
+              </a:solidFill>
+            </a:endParaRPr>
+          </a:p>
+          <a:p>
+            <a:pPr indent="0" lvl="0" marL="0" rtl="0" algn="l">
+              <a:lnSpc>
+                <a:spcPct val="100000"/>
+              </a:lnSpc>
+              <a:spcBef>
+                <a:spcPts val="0"/>
+              </a:spcBef>
+              <a:spcAft>
+                <a:spcPts val="0"/>
+              </a:spcAft>
+              <a:buNone/>
+            </a:pPr>
+            <a:r>
+              <a:rPr lang="en">
+                <a:solidFill>
+                  <a:srgbClr val="000000"/>
+                </a:solidFill>
+              </a:rPr>
+              <a:t>Random</a:t>
+            </a:r>
+            <a:endParaRPr>
+              <a:solidFill>
+                <a:srgbClr val="000000"/>
+              </a:solidFill>
+            </a:endParaRPr>
+          </a:p>
+          <a:p>
+            <a:pPr indent="0" lvl="0" marL="0" rtl="0" algn="l">
+              <a:lnSpc>
+                <a:spcPct val="100000"/>
+              </a:lnSpc>
+              <a:spcBef>
+                <a:spcPts val="0"/>
+              </a:spcBef>
+              <a:spcAft>
+                <a:spcPts val="0"/>
+              </a:spcAft>
+              <a:buNone/>
+            </a:pPr>
+            <a:r>
+              <a:t/>
+            </a:r>
+            <a:endParaRPr>
+              <a:solidFill>
+                <a:srgbClr val="000000"/>
+              </a:solidFill>
+            </a:endParaRPr>
+          </a:p>
+          <a:p>
+            <a:pPr indent="0" lvl="0" marL="0" rtl="0" algn="l">
+              <a:lnSpc>
+                <a:spcPct val="100000"/>
+              </a:lnSpc>
+              <a:spcBef>
+                <a:spcPts val="0"/>
+              </a:spcBef>
+              <a:spcAft>
+                <a:spcPts val="0"/>
+              </a:spcAft>
+              <a:buNone/>
+            </a:pPr>
+            <a:r>
+              <a:rPr lang="en">
+                <a:solidFill>
+                  <a:srgbClr val="000000"/>
+                </a:solidFill>
+              </a:rPr>
+              <a:t>FIFO</a:t>
+            </a:r>
+            <a:endParaRPr>
+              <a:solidFill>
+                <a:srgbClr val="000000"/>
+              </a:solidFill>
+            </a:endParaRPr>
+          </a:p>
+          <a:p>
+            <a:pPr indent="0" lvl="0" marL="0" rtl="0" algn="l">
+              <a:lnSpc>
+                <a:spcPct val="100000"/>
+              </a:lnSpc>
+              <a:spcBef>
+                <a:spcPts val="0"/>
+              </a:spcBef>
+              <a:spcAft>
+                <a:spcPts val="0"/>
+              </a:spcAft>
+              <a:buNone/>
+            </a:pPr>
+            <a:r>
+              <a:t/>
+            </a:r>
+            <a:endParaRPr>
+              <a:solidFill>
+                <a:srgbClr val="000000"/>
+              </a:solidFill>
+            </a:endParaRPr>
+          </a:p>
+          <a:p>
+            <a:pPr indent="0" lvl="0" marL="0" rtl="0" algn="l">
+              <a:lnSpc>
+                <a:spcPct val="100000"/>
+              </a:lnSpc>
+              <a:spcBef>
+                <a:spcPts val="0"/>
+              </a:spcBef>
+              <a:spcAft>
+                <a:spcPts val="0"/>
+              </a:spcAft>
+              <a:buNone/>
+            </a:pPr>
+            <a:r>
+              <a:t/>
+            </a:r>
+            <a:endParaRPr>
+              <a:solidFill>
+                <a:srgbClr val="000000"/>
+              </a:solidFill>
+            </a:endParaRPr>
+          </a:p>
+          <a:p>
+            <a:pPr indent="0" lvl="0" marL="0" rtl="0" algn="l">
+              <a:lnSpc>
+                <a:spcPct val="100000"/>
+              </a:lnSpc>
+              <a:spcBef>
+                <a:spcPts val="0"/>
+              </a:spcBef>
+              <a:spcAft>
+                <a:spcPts val="0"/>
+              </a:spcAft>
+              <a:buNone/>
+            </a:pPr>
+            <a:r>
+              <a:t/>
+            </a:r>
+            <a:endParaRPr>
+              <a:solidFill>
+                <a:srgbClr val="000000"/>
+              </a:solidFill>
+            </a:endParaRPr>
+          </a:p>
+          <a:p>
+            <a:pPr indent="0" lvl="0" marL="0" rtl="0" algn="l">
+              <a:spcBef>
+                <a:spcPts val="0"/>
+              </a:spcBef>
+              <a:spcAft>
+                <a:spcPts val="1200"/>
+              </a:spcAft>
+              <a:buNone/>
+            </a:pPr>
+            <a:r>
+              <a:t/>
+            </a:r>
+            <a:endParaRPr/>
+          </a:p>
+        </p:txBody>
+      </p:sp>
+      <p:sp>
+        <p:nvSpPr>
+          <p:cNvPr id="93" name="Google Shape;93;p16"/>
+          <p:cNvSpPr/>
+          <p:nvPr/>
+        </p:nvSpPr>
+        <p:spPr>
+          <a:xfrm>
+            <a:off x="4952988" y="1488760"/>
+            <a:ext cx="1269900" cy="1083000"/>
+          </a:xfrm>
+          <a:prstGeom prst="rect">
+            <a:avLst/>
+          </a:prstGeom>
+          <a:solidFill>
+            <a:srgbClr val="B6D7A8"/>
+          </a:solidFill>
+          <a:ln cap="flat" cmpd="sng" w="9525">
+            <a:solidFill>
+              <a:schemeClr val="dk2"/>
+            </a:solidFill>
+            <a:prstDash val="solid"/>
+            <a:round/>
+            <a:headEnd len="sm" w="sm" type="none"/>
+            <a:tailEnd len="sm" w="sm" type="none"/>
+          </a:ln>
+        </p:spPr>
+        <p:txBody>
+          <a:bodyPr anchorCtr="0" anchor="ctr" bIns="91425" lIns="91425" spcFirstLastPara="1" rIns="91425" wrap="square" tIns="91425">
+            <a:noAutofit/>
+          </a:bodyPr>
+          <a:lstStyle/>
+          <a:p>
+            <a:pPr indent="0" lvl="0" marL="0" rtl="0" algn="ctr">
+              <a:spcBef>
+                <a:spcPts val="0"/>
+              </a:spcBef>
+              <a:spcAft>
+                <a:spcPts val="0"/>
+              </a:spcAft>
+              <a:buClr>
+                <a:schemeClr val="dk1"/>
+              </a:buClr>
+              <a:buSzPts val="1100"/>
+              <a:buFont typeface="Arial"/>
+              <a:buNone/>
+            </a:pPr>
+            <a:r>
+              <a:rPr lang="en" sz="1800">
+                <a:solidFill>
+                  <a:schemeClr val="dk2"/>
+                </a:solidFill>
+              </a:rPr>
+              <a:t>64 entries</a:t>
+            </a:r>
+            <a:endParaRPr>
+              <a:solidFill>
+                <a:srgbClr val="EAD1DC"/>
+              </a:solidFill>
+            </a:endParaRPr>
+          </a:p>
+        </p:txBody>
+      </p:sp>
+      <p:sp>
+        <p:nvSpPr>
+          <p:cNvPr id="94" name="Google Shape;94;p16"/>
+          <p:cNvSpPr/>
+          <p:nvPr/>
+        </p:nvSpPr>
+        <p:spPr>
+          <a:xfrm>
+            <a:off x="2368300" y="3239725"/>
+            <a:ext cx="1577400" cy="1518600"/>
+          </a:xfrm>
+          <a:prstGeom prst="rect">
+            <a:avLst/>
+          </a:prstGeom>
+          <a:solidFill>
+            <a:srgbClr val="F9CB9C"/>
+          </a:solidFill>
+          <a:ln cap="flat" cmpd="sng" w="9525">
+            <a:solidFill>
+              <a:schemeClr val="dk2"/>
+            </a:solidFill>
+            <a:prstDash val="solid"/>
+            <a:round/>
+            <a:headEnd len="sm" w="sm" type="none"/>
+            <a:tailEnd len="sm" w="sm" type="none"/>
+          </a:ln>
+        </p:spPr>
+        <p:txBody>
+          <a:bodyPr anchorCtr="0" anchor="ctr" bIns="91425" lIns="91425" spcFirstLastPara="1" rIns="91425" wrap="square" tIns="91425">
+            <a:noAutofit/>
+          </a:bodyPr>
+          <a:lstStyle/>
+          <a:p>
+            <a:pPr indent="0" lvl="0" marL="0" rtl="0" algn="ctr">
+              <a:spcBef>
+                <a:spcPts val="0"/>
+              </a:spcBef>
+              <a:spcAft>
+                <a:spcPts val="0"/>
+              </a:spcAft>
+              <a:buNone/>
+            </a:pPr>
+            <a:r>
+              <a:t/>
+            </a:r>
+            <a:endParaRPr/>
+          </a:p>
+        </p:txBody>
+      </p:sp>
+      <p:sp>
+        <p:nvSpPr>
+          <p:cNvPr id="95" name="Google Shape;95;p16"/>
+          <p:cNvSpPr/>
+          <p:nvPr/>
+        </p:nvSpPr>
+        <p:spPr>
+          <a:xfrm>
+            <a:off x="3945700" y="3239725"/>
+            <a:ext cx="1577400" cy="1518600"/>
+          </a:xfrm>
+          <a:prstGeom prst="rect">
+            <a:avLst/>
+          </a:prstGeom>
+          <a:solidFill>
+            <a:srgbClr val="CFE2F3"/>
+          </a:solidFill>
+          <a:ln cap="flat" cmpd="sng" w="9525">
+            <a:solidFill>
+              <a:schemeClr val="dk2"/>
+            </a:solidFill>
+            <a:prstDash val="solid"/>
+            <a:round/>
+            <a:headEnd len="sm" w="sm" type="none"/>
+            <a:tailEnd len="sm" w="sm" type="none"/>
+          </a:ln>
+        </p:spPr>
+        <p:txBody>
+          <a:bodyPr anchorCtr="0" anchor="ctr" bIns="91425" lIns="91425" spcFirstLastPara="1" rIns="91425" wrap="square" tIns="91425">
+            <a:noAutofit/>
+          </a:bodyPr>
+          <a:lstStyle/>
+          <a:p>
+            <a:pPr indent="0" lvl="0" marL="0" rtl="0" algn="ctr">
+              <a:spcBef>
+                <a:spcPts val="0"/>
+              </a:spcBef>
+              <a:spcAft>
+                <a:spcPts val="0"/>
+              </a:spcAft>
+              <a:buNone/>
+            </a:pPr>
+            <a:r>
+              <a:t/>
+            </a:r>
+            <a:endParaRPr/>
+          </a:p>
+        </p:txBody>
+      </p:sp>
+      <p:sp>
+        <p:nvSpPr>
+          <p:cNvPr id="96" name="Google Shape;96;p16"/>
+          <p:cNvSpPr/>
+          <p:nvPr/>
+        </p:nvSpPr>
+        <p:spPr>
+          <a:xfrm>
+            <a:off x="5523100" y="3239725"/>
+            <a:ext cx="1577400" cy="1518600"/>
+          </a:xfrm>
+          <a:prstGeom prst="rect">
+            <a:avLst/>
+          </a:prstGeom>
+          <a:solidFill>
+            <a:srgbClr val="FFE599"/>
+          </a:solidFill>
+          <a:ln cap="flat" cmpd="sng" w="9525">
+            <a:solidFill>
+              <a:schemeClr val="dk2"/>
+            </a:solidFill>
+            <a:prstDash val="solid"/>
+            <a:round/>
+            <a:headEnd len="sm" w="sm" type="none"/>
+            <a:tailEnd len="sm" w="sm" type="none"/>
+          </a:ln>
+        </p:spPr>
+        <p:txBody>
+          <a:bodyPr anchorCtr="0" anchor="ctr" bIns="91425" lIns="91425" spcFirstLastPara="1" rIns="91425" wrap="square" tIns="91425">
+            <a:noAutofit/>
+          </a:bodyPr>
+          <a:lstStyle/>
+          <a:p>
+            <a:pPr indent="0" lvl="0" marL="0" rtl="0" algn="l">
+              <a:spcBef>
+                <a:spcPts val="0"/>
+              </a:spcBef>
+              <a:spcAft>
+                <a:spcPts val="0"/>
+              </a:spcAft>
+              <a:buNone/>
+            </a:pPr>
+            <a:r>
+              <a:t/>
+            </a:r>
+            <a:endParaRPr/>
+          </a:p>
+        </p:txBody>
+      </p:sp>
+      <p:sp>
+        <p:nvSpPr>
+          <p:cNvPr id="97" name="Google Shape;97;p16"/>
+          <p:cNvSpPr/>
+          <p:nvPr/>
+        </p:nvSpPr>
+        <p:spPr>
+          <a:xfrm>
+            <a:off x="7100500" y="3239725"/>
+            <a:ext cx="1577400" cy="1518600"/>
+          </a:xfrm>
+          <a:prstGeom prst="rect">
+            <a:avLst/>
+          </a:prstGeom>
+          <a:solidFill>
+            <a:srgbClr val="D9D2E9"/>
+          </a:solidFill>
+          <a:ln cap="flat" cmpd="sng" w="9525">
+            <a:solidFill>
+              <a:schemeClr val="dk2"/>
+            </a:solidFill>
+            <a:prstDash val="solid"/>
+            <a:round/>
+            <a:headEnd len="sm" w="sm" type="none"/>
+            <a:tailEnd len="sm" w="sm" type="none"/>
+          </a:ln>
+        </p:spPr>
+        <p:txBody>
+          <a:bodyPr anchorCtr="0" anchor="ctr" bIns="91425" lIns="91425" spcFirstLastPara="1" rIns="91425" wrap="square" tIns="91425">
+            <a:noAutofit/>
+          </a:bodyPr>
+          <a:lstStyle/>
+          <a:p>
+            <a:pPr indent="0" lvl="0" marL="0" rtl="0" algn="ctr">
+              <a:spcBef>
+                <a:spcPts val="0"/>
+              </a:spcBef>
+              <a:spcAft>
+                <a:spcPts val="0"/>
+              </a:spcAft>
+              <a:buNone/>
+            </a:pPr>
+            <a:r>
+              <a:t/>
+            </a:r>
+            <a:endParaRPr/>
+          </a:p>
+        </p:txBody>
+      </p:sp>
+      <p:sp>
+        <p:nvSpPr>
+          <p:cNvPr id="98" name="Google Shape;98;p16"/>
+          <p:cNvSpPr txBox="1"/>
+          <p:nvPr/>
+        </p:nvSpPr>
+        <p:spPr>
+          <a:xfrm>
+            <a:off x="3945700" y="3603875"/>
+            <a:ext cx="1923900" cy="879000"/>
+          </a:xfrm>
+          <a:prstGeom prst="rect">
+            <a:avLst/>
+          </a:prstGeom>
+          <a:noFill/>
+          <a:ln>
+            <a:noFill/>
+          </a:ln>
+        </p:spPr>
+        <p:txBody>
+          <a:bodyPr anchorCtr="0" anchor="t" bIns="91425" lIns="91425" spcFirstLastPara="1" rIns="91425" wrap="square" tIns="91425">
+            <a:noAutofit/>
+          </a:bodyPr>
+          <a:lstStyle/>
+          <a:p>
+            <a:pPr indent="0" lvl="0" marL="0" rtl="0" algn="l">
+              <a:spcBef>
+                <a:spcPts val="0"/>
+              </a:spcBef>
+              <a:spcAft>
+                <a:spcPts val="0"/>
+              </a:spcAft>
+              <a:buNone/>
+            </a:pPr>
+            <a:r>
+              <a:t/>
+            </a:r>
+            <a:endParaRPr sz="1800">
+              <a:solidFill>
+                <a:schemeClr val="dk2"/>
+              </a:solidFill>
+            </a:endParaRPr>
+          </a:p>
+          <a:p>
+            <a:pPr indent="0" lvl="0" marL="0" rtl="0" algn="l">
+              <a:spcBef>
+                <a:spcPts val="0"/>
+              </a:spcBef>
+              <a:spcAft>
+                <a:spcPts val="0"/>
+              </a:spcAft>
+              <a:buNone/>
+            </a:pPr>
+            <a:r>
+              <a:rPr lang="en" sz="1800">
+                <a:solidFill>
+                  <a:schemeClr val="dk2"/>
+                </a:solidFill>
+              </a:rPr>
+              <a:t>For 1 process </a:t>
+            </a:r>
+            <a:endParaRPr sz="1800">
+              <a:solidFill>
+                <a:schemeClr val="dk2"/>
+              </a:solidFill>
+            </a:endParaRPr>
+          </a:p>
+          <a:p>
+            <a:pPr indent="0" lvl="0" marL="0" rtl="0" algn="l">
+              <a:spcBef>
+                <a:spcPts val="0"/>
+              </a:spcBef>
+              <a:spcAft>
+                <a:spcPts val="0"/>
+              </a:spcAft>
+              <a:buNone/>
+            </a:pPr>
+            <a:r>
+              <a:rPr lang="en" sz="1800">
+                <a:solidFill>
+                  <a:schemeClr val="dk2"/>
+                </a:solidFill>
+              </a:rPr>
+              <a:t>256 entries</a:t>
+            </a:r>
+            <a:endParaRPr sz="1800">
+              <a:solidFill>
+                <a:schemeClr val="dk2"/>
+              </a:solidFill>
+            </a:endParaRPr>
+          </a:p>
+        </p:txBody>
+      </p:sp>
+      <p:sp>
+        <p:nvSpPr>
+          <p:cNvPr id="99" name="Google Shape;99;p16"/>
+          <p:cNvSpPr txBox="1"/>
+          <p:nvPr/>
+        </p:nvSpPr>
+        <p:spPr>
+          <a:xfrm>
+            <a:off x="5507800" y="3603875"/>
+            <a:ext cx="1923900" cy="879000"/>
+          </a:xfrm>
+          <a:prstGeom prst="rect">
+            <a:avLst/>
+          </a:prstGeom>
+          <a:noFill/>
+          <a:ln>
+            <a:noFill/>
+          </a:ln>
+        </p:spPr>
+        <p:txBody>
+          <a:bodyPr anchorCtr="0" anchor="t" bIns="91425" lIns="91425" spcFirstLastPara="1" rIns="91425" wrap="square" tIns="91425">
+            <a:noAutofit/>
+          </a:bodyPr>
+          <a:lstStyle/>
+          <a:p>
+            <a:pPr indent="0" lvl="0" marL="0" rtl="0" algn="l">
+              <a:spcBef>
+                <a:spcPts val="0"/>
+              </a:spcBef>
+              <a:spcAft>
+                <a:spcPts val="0"/>
+              </a:spcAft>
+              <a:buNone/>
+            </a:pPr>
+            <a:r>
+              <a:t/>
+            </a:r>
+            <a:endParaRPr sz="1800">
+              <a:solidFill>
+                <a:schemeClr val="dk2"/>
+              </a:solidFill>
+            </a:endParaRPr>
+          </a:p>
+          <a:p>
+            <a:pPr indent="0" lvl="0" marL="0" rtl="0" algn="l">
+              <a:spcBef>
+                <a:spcPts val="0"/>
+              </a:spcBef>
+              <a:spcAft>
+                <a:spcPts val="0"/>
+              </a:spcAft>
+              <a:buNone/>
+            </a:pPr>
+            <a:r>
+              <a:rPr lang="en" sz="1800">
+                <a:solidFill>
+                  <a:schemeClr val="dk2"/>
+                </a:solidFill>
+              </a:rPr>
+              <a:t>For 1 process </a:t>
+            </a:r>
+            <a:endParaRPr sz="1800">
+              <a:solidFill>
+                <a:schemeClr val="dk2"/>
+              </a:solidFill>
+            </a:endParaRPr>
+          </a:p>
+          <a:p>
+            <a:pPr indent="0" lvl="0" marL="0" rtl="0" algn="l">
+              <a:spcBef>
+                <a:spcPts val="0"/>
+              </a:spcBef>
+              <a:spcAft>
+                <a:spcPts val="0"/>
+              </a:spcAft>
+              <a:buNone/>
+            </a:pPr>
+            <a:r>
+              <a:rPr lang="en" sz="1800">
+                <a:solidFill>
+                  <a:schemeClr val="dk2"/>
+                </a:solidFill>
+              </a:rPr>
+              <a:t>256 entries</a:t>
+            </a:r>
+            <a:endParaRPr sz="1800">
+              <a:solidFill>
+                <a:schemeClr val="dk2"/>
+              </a:solidFill>
+            </a:endParaRPr>
+          </a:p>
+        </p:txBody>
+      </p:sp>
+      <p:sp>
+        <p:nvSpPr>
+          <p:cNvPr id="100" name="Google Shape;100;p16"/>
+          <p:cNvSpPr txBox="1"/>
+          <p:nvPr/>
+        </p:nvSpPr>
+        <p:spPr>
+          <a:xfrm>
+            <a:off x="7100500" y="3603875"/>
+            <a:ext cx="1923900" cy="879000"/>
+          </a:xfrm>
+          <a:prstGeom prst="rect">
+            <a:avLst/>
+          </a:prstGeom>
+          <a:noFill/>
+          <a:ln>
+            <a:noFill/>
+          </a:ln>
+        </p:spPr>
+        <p:txBody>
+          <a:bodyPr anchorCtr="0" anchor="t" bIns="91425" lIns="91425" spcFirstLastPara="1" rIns="91425" wrap="square" tIns="91425">
+            <a:noAutofit/>
+          </a:bodyPr>
+          <a:lstStyle/>
+          <a:p>
+            <a:pPr indent="0" lvl="0" marL="0" rtl="0" algn="l">
+              <a:spcBef>
+                <a:spcPts val="0"/>
+              </a:spcBef>
+              <a:spcAft>
+                <a:spcPts val="0"/>
+              </a:spcAft>
+              <a:buNone/>
+            </a:pPr>
+            <a:r>
+              <a:t/>
+            </a:r>
+            <a:endParaRPr sz="1800">
+              <a:solidFill>
+                <a:schemeClr val="dk2"/>
+              </a:solidFill>
+            </a:endParaRPr>
+          </a:p>
+          <a:p>
+            <a:pPr indent="0" lvl="0" marL="0" rtl="0" algn="l">
+              <a:spcBef>
+                <a:spcPts val="0"/>
+              </a:spcBef>
+              <a:spcAft>
+                <a:spcPts val="0"/>
+              </a:spcAft>
+              <a:buNone/>
+            </a:pPr>
+            <a:r>
+              <a:rPr lang="en" sz="1800">
+                <a:solidFill>
+                  <a:schemeClr val="dk2"/>
+                </a:solidFill>
+              </a:rPr>
+              <a:t>For 1 process </a:t>
+            </a:r>
+            <a:endParaRPr sz="1800">
+              <a:solidFill>
+                <a:schemeClr val="dk2"/>
+              </a:solidFill>
+            </a:endParaRPr>
+          </a:p>
+          <a:p>
+            <a:pPr indent="0" lvl="0" marL="0" rtl="0" algn="l">
+              <a:spcBef>
+                <a:spcPts val="0"/>
+              </a:spcBef>
+              <a:spcAft>
+                <a:spcPts val="0"/>
+              </a:spcAft>
+              <a:buNone/>
+            </a:pPr>
+            <a:r>
+              <a:rPr lang="en" sz="1800">
+                <a:solidFill>
+                  <a:schemeClr val="dk2"/>
+                </a:solidFill>
+              </a:rPr>
+              <a:t>256 entries</a:t>
+            </a:r>
+            <a:endParaRPr sz="1800">
+              <a:solidFill>
+                <a:schemeClr val="dk2"/>
+              </a:solidFill>
+            </a:endParaRPr>
+          </a:p>
+        </p:txBody>
+      </p:sp>
+      <p:sp>
+        <p:nvSpPr>
+          <p:cNvPr id="101" name="Google Shape;101;p16"/>
+          <p:cNvSpPr txBox="1"/>
+          <p:nvPr/>
+        </p:nvSpPr>
+        <p:spPr>
+          <a:xfrm>
+            <a:off x="2368300" y="3603875"/>
+            <a:ext cx="1923900" cy="879000"/>
+          </a:xfrm>
+          <a:prstGeom prst="rect">
+            <a:avLst/>
+          </a:prstGeom>
+          <a:noFill/>
+          <a:ln>
+            <a:noFill/>
+          </a:ln>
+        </p:spPr>
+        <p:txBody>
+          <a:bodyPr anchorCtr="0" anchor="t" bIns="91425" lIns="91425" spcFirstLastPara="1" rIns="91425" wrap="square" tIns="91425">
+            <a:noAutofit/>
+          </a:bodyPr>
+          <a:lstStyle/>
+          <a:p>
+            <a:pPr indent="0" lvl="0" marL="0" rtl="0" algn="l">
+              <a:spcBef>
+                <a:spcPts val="0"/>
+              </a:spcBef>
+              <a:spcAft>
+                <a:spcPts val="0"/>
+              </a:spcAft>
+              <a:buNone/>
+            </a:pPr>
+            <a:r>
+              <a:t/>
+            </a:r>
+            <a:endParaRPr sz="1800">
+              <a:solidFill>
+                <a:schemeClr val="dk2"/>
+              </a:solidFill>
+            </a:endParaRPr>
+          </a:p>
+          <a:p>
+            <a:pPr indent="0" lvl="0" marL="0" rtl="0" algn="l">
+              <a:spcBef>
+                <a:spcPts val="0"/>
+              </a:spcBef>
+              <a:spcAft>
+                <a:spcPts val="0"/>
+              </a:spcAft>
+              <a:buNone/>
+            </a:pPr>
+            <a:r>
+              <a:rPr lang="en" sz="1800">
+                <a:solidFill>
+                  <a:schemeClr val="dk2"/>
+                </a:solidFill>
+              </a:rPr>
+              <a:t>For 1 process </a:t>
+            </a:r>
+            <a:endParaRPr sz="1800">
+              <a:solidFill>
+                <a:schemeClr val="dk2"/>
+              </a:solidFill>
+            </a:endParaRPr>
+          </a:p>
+          <a:p>
+            <a:pPr indent="0" lvl="0" marL="0" rtl="0" algn="l">
+              <a:spcBef>
+                <a:spcPts val="0"/>
+              </a:spcBef>
+              <a:spcAft>
+                <a:spcPts val="0"/>
+              </a:spcAft>
+              <a:buNone/>
+            </a:pPr>
+            <a:r>
+              <a:rPr lang="en" sz="1800">
+                <a:solidFill>
+                  <a:schemeClr val="dk2"/>
+                </a:solidFill>
+              </a:rPr>
+              <a:t>256 entries</a:t>
+            </a:r>
+            <a:endParaRPr sz="1800">
+              <a:solidFill>
+                <a:schemeClr val="dk2"/>
+              </a:solidFill>
+            </a:endParaRPr>
+          </a:p>
+        </p:txBody>
+      </p:sp>
+      <p:cxnSp>
+        <p:nvCxnSpPr>
+          <p:cNvPr id="102" name="Google Shape;102;p16"/>
+          <p:cNvCxnSpPr/>
+          <p:nvPr/>
+        </p:nvCxnSpPr>
+        <p:spPr>
+          <a:xfrm>
+            <a:off x="5583000" y="2544013"/>
+            <a:ext cx="9900" cy="695700"/>
+          </a:xfrm>
+          <a:prstGeom prst="straightConnector1">
+            <a:avLst/>
+          </a:prstGeom>
+          <a:noFill/>
+          <a:ln cap="flat" cmpd="sng" w="9525">
+            <a:solidFill>
+              <a:schemeClr val="dk2"/>
+            </a:solidFill>
+            <a:prstDash val="solid"/>
+            <a:round/>
+            <a:headEnd len="med" w="med" type="none"/>
+            <a:tailEnd len="med" w="med" type="triangle"/>
+          </a:ln>
+        </p:spPr>
+      </p:cxnSp>
+    </p:spTree>
+  </p:cSld>
+  <p:clrMapOvr>
+    <a:masterClrMapping/>
+  </p:clrMapOvr>
+</p:sld>
+</file>
+
+<file path=ppt/slides/slide5.xml><?xml version="1.0" encoding="utf-8"?>
+<p:sld xmlns:a="http://schemas.openxmlformats.org/drawingml/2006/main" xmlns:r="http://schemas.openxmlformats.org/officeDocument/2006/relationships" xmlns:mc="http://schemas.openxmlformats.org/markup-compatibility/2006" xmlns:mv="urn:schemas-microsoft-com:mac:vml" xmlns:p="http://schemas.openxmlformats.org/presentationml/2006/main" xmlns:c="http://schemas.openxmlformats.org/drawingml/2006/chart" xmlns:dgm="http://schemas.openxmlformats.org/drawingml/2006/diagram" xmlns:o="urn:schemas-microsoft-com:office:office" xmlns:v="urn:schemas-microsoft-com:vml" xmlns:pvml="urn:schemas-microsoft-com:office:powerpoint" xmlns:com="http://schemas.openxmlformats.org/drawingml/2006/compatibility" xmlns:p14="http://schemas.microsoft.com/office/powerpoint/2010/main" xmlns:p15="http://schemas.microsoft.com/office/powerpoint/2012/main" xmlns:ahyp="http://schemas.microsoft.com/office/drawing/2018/hyperlinkcolor">
+  <p:cSld>
+    <p:spTree>
+      <p:nvGrpSpPr>
+        <p:cNvPr id="106" name="Shape 106"/>
+        <p:cNvGrpSpPr/>
+        <p:nvPr/>
+      </p:nvGrpSpPr>
+      <p:grpSpPr>
+        <a:xfrm>
+          <a:off x="0" y="0"/>
+          <a:ext cx="0" cy="0"/>
+          <a:chOff x="0" y="0"/>
+          <a:chExt cx="0" cy="0"/>
+        </a:xfrm>
+      </p:grpSpPr>
+      <p:sp>
+        <p:nvSpPr>
+          <p:cNvPr id="107" name="Google Shape;107;p17"/>
+          <p:cNvSpPr txBox="1"/>
+          <p:nvPr>
+            <p:ph type="title"/>
+          </p:nvPr>
+        </p:nvSpPr>
+        <p:spPr>
+          <a:xfrm>
+            <a:off x="311700" y="445025"/>
+            <a:ext cx="8520600" cy="572700"/>
+          </a:xfrm>
+          <a:prstGeom prst="rect">
+            <a:avLst/>
+          </a:prstGeom>
+        </p:spPr>
+        <p:txBody>
+          <a:bodyPr anchorCtr="0" anchor="t" bIns="91425" lIns="91425" spcFirstLastPara="1" rIns="91425" wrap="square" tIns="91425">
+            <a:normAutofit fontScale="90000"/>
+          </a:bodyPr>
+          <a:lstStyle/>
+          <a:p>
+            <a:pPr indent="0" lvl="0" marL="0" rtl="0" algn="l">
+              <a:spcBef>
+                <a:spcPts val="0"/>
+              </a:spcBef>
+              <a:spcAft>
+                <a:spcPts val="0"/>
+              </a:spcAft>
+              <a:buNone/>
+            </a:pPr>
+            <a:r>
+              <a:rPr lang="en"/>
+              <a:t>Results – random vs FIFO policy</a:t>
+            </a:r>
+            <a:endParaRPr/>
+          </a:p>
+          <a:p>
+            <a:pPr indent="0" lvl="0" marL="0" rtl="0" algn="l">
+              <a:spcBef>
+                <a:spcPts val="0"/>
+              </a:spcBef>
+              <a:spcAft>
+                <a:spcPts val="0"/>
+              </a:spcAft>
+              <a:buNone/>
+            </a:pPr>
+            <a:r>
+              <a:rPr lang="en"/>
+              <a:t>(under 2 level TLB + variable page sizes)</a:t>
+            </a:r>
+            <a:endParaRPr/>
+          </a:p>
+        </p:txBody>
+      </p:sp>
+      <p:pic>
+        <p:nvPicPr>
+          <p:cNvPr id="108" name="Google Shape;108;p17"/>
+          <p:cNvPicPr preferRelativeResize="0"/>
+          <p:nvPr/>
+        </p:nvPicPr>
+        <p:blipFill>
+          <a:blip r:embed="rId3">
+            <a:alphaModFix/>
+          </a:blip>
+          <a:stretch>
+            <a:fillRect/>
+          </a:stretch>
+        </p:blipFill>
+        <p:spPr>
+          <a:xfrm>
+            <a:off x="1548900" y="1481725"/>
+            <a:ext cx="5289100" cy="3498450"/>
+          </a:xfrm>
+          <a:prstGeom prst="rect">
+            <a:avLst/>
+          </a:prstGeom>
+          <a:noFill/>
+          <a:ln>
+            <a:noFill/>
+          </a:ln>
+        </p:spPr>
+      </p:pic>
+      <p:sp>
+        <p:nvSpPr>
+          <p:cNvPr id="109" name="Google Shape;109;p17"/>
+          <p:cNvSpPr txBox="1"/>
+          <p:nvPr>
+            <p:ph type="title"/>
+          </p:nvPr>
+        </p:nvSpPr>
+        <p:spPr>
+          <a:xfrm>
+            <a:off x="311700" y="1481725"/>
+            <a:ext cx="8520600" cy="572700"/>
           </a:xfrm>
           <a:prstGeom prst="rect">
             <a:avLst/>
@@ -7301,209 +8856,59 @@
           <a:lstStyle/>
           <a:p>
             <a:pPr indent="0" lvl="0" marL="0" rtl="0" algn="l">
-              <a:lnSpc>
-                <a:spcPct val="100000"/>
-              </a:lnSpc>
-              <a:spcBef>
-                <a:spcPts val="0"/>
-              </a:spcBef>
-              <a:spcAft>
-                <a:spcPts val="0"/>
-              </a:spcAft>
-              <a:buNone/>
-            </a:pPr>
-            <a:r>
-              <a:t/>
-            </a:r>
-            <a:endParaRPr b="1">
-              <a:solidFill>
-                <a:srgbClr val="000000"/>
-              </a:solidFill>
-            </a:endParaRPr>
-          </a:p>
+              <a:spcBef>
+                <a:spcPts val="0"/>
+              </a:spcBef>
+              <a:spcAft>
+                <a:spcPts val="0"/>
+              </a:spcAft>
+              <a:buNone/>
+            </a:pPr>
+            <a:r>
+              <a:rPr lang="en" sz="1500"/>
+              <a:t>TLB hit rate</a:t>
+            </a:r>
+            <a:endParaRPr sz="1500"/>
+          </a:p>
+        </p:txBody>
+      </p:sp>
+      <p:sp>
+        <p:nvSpPr>
+          <p:cNvPr id="110" name="Google Shape;110;p17"/>
+          <p:cNvSpPr txBox="1"/>
+          <p:nvPr>
+            <p:ph type="title"/>
+          </p:nvPr>
+        </p:nvSpPr>
+        <p:spPr>
+          <a:xfrm>
+            <a:off x="1795125" y="4473100"/>
+            <a:ext cx="8520600" cy="572700"/>
+          </a:xfrm>
+          <a:prstGeom prst="rect">
+            <a:avLst/>
+          </a:prstGeom>
+        </p:spPr>
+        <p:txBody>
+          <a:bodyPr anchorCtr="0" anchor="t" bIns="91425" lIns="91425" spcFirstLastPara="1" rIns="91425" wrap="square" tIns="91425">
+            <a:normAutofit/>
+          </a:bodyPr>
+          <a:lstStyle/>
           <a:p>
             <a:pPr indent="0" lvl="0" marL="0" rtl="0" algn="l">
-              <a:lnSpc>
-                <a:spcPct val="100000"/>
-              </a:lnSpc>
-              <a:spcBef>
-                <a:spcPts val="0"/>
-              </a:spcBef>
-              <a:spcAft>
-                <a:spcPts val="0"/>
-              </a:spcAft>
-              <a:buNone/>
-            </a:pPr>
-            <a:r>
-              <a:rPr b="1" lang="en">
-                <a:solidFill>
-                  <a:srgbClr val="000000"/>
-                </a:solidFill>
-              </a:rPr>
-              <a:t>Current replacement policies:</a:t>
-            </a:r>
-            <a:endParaRPr b="1">
-              <a:solidFill>
-                <a:srgbClr val="000000"/>
-              </a:solidFill>
-            </a:endParaRPr>
-          </a:p>
-          <a:p>
-            <a:pPr indent="0" lvl="0" marL="0" rtl="0" algn="l">
-              <a:lnSpc>
-                <a:spcPct val="100000"/>
-              </a:lnSpc>
-              <a:spcBef>
-                <a:spcPts val="0"/>
-              </a:spcBef>
-              <a:spcAft>
-                <a:spcPts val="0"/>
-              </a:spcAft>
-              <a:buNone/>
-            </a:pPr>
-            <a:r>
-              <a:t/>
-            </a:r>
-            <a:endParaRPr b="1">
-              <a:solidFill>
-                <a:srgbClr val="000000"/>
-              </a:solidFill>
-            </a:endParaRPr>
-          </a:p>
-          <a:p>
-            <a:pPr indent="0" lvl="0" marL="0" rtl="0" algn="l">
-              <a:lnSpc>
-                <a:spcPct val="100000"/>
-              </a:lnSpc>
-              <a:spcBef>
-                <a:spcPts val="0"/>
-              </a:spcBef>
-              <a:spcAft>
-                <a:spcPts val="0"/>
-              </a:spcAft>
-              <a:buNone/>
-            </a:pPr>
-            <a:r>
-              <a:rPr lang="en">
-                <a:solidFill>
-                  <a:srgbClr val="000000"/>
-                </a:solidFill>
-              </a:rPr>
-              <a:t>Random</a:t>
-            </a:r>
-            <a:endParaRPr>
-              <a:solidFill>
-                <a:srgbClr val="000000"/>
-              </a:solidFill>
-            </a:endParaRPr>
-          </a:p>
-          <a:p>
-            <a:pPr indent="0" lvl="0" marL="0" rtl="0" algn="l">
-              <a:lnSpc>
-                <a:spcPct val="100000"/>
-              </a:lnSpc>
-              <a:spcBef>
-                <a:spcPts val="0"/>
-              </a:spcBef>
-              <a:spcAft>
-                <a:spcPts val="0"/>
-              </a:spcAft>
-              <a:buNone/>
-            </a:pPr>
-            <a:r>
-              <a:rPr lang="en">
-                <a:solidFill>
-                  <a:srgbClr val="000000"/>
-                </a:solidFill>
-              </a:rPr>
-              <a:t>FIFO</a:t>
-            </a:r>
-            <a:endParaRPr>
-              <a:solidFill>
-                <a:srgbClr val="000000"/>
-              </a:solidFill>
-            </a:endParaRPr>
-          </a:p>
-          <a:p>
-            <a:pPr indent="0" lvl="0" marL="0" rtl="0" algn="l">
-              <a:lnSpc>
-                <a:spcPct val="100000"/>
-              </a:lnSpc>
-              <a:spcBef>
-                <a:spcPts val="0"/>
-              </a:spcBef>
-              <a:spcAft>
-                <a:spcPts val="0"/>
-              </a:spcAft>
-              <a:buNone/>
-            </a:pPr>
-            <a:r>
-              <a:t/>
-            </a:r>
-            <a:endParaRPr>
-              <a:solidFill>
-                <a:srgbClr val="000000"/>
-              </a:solidFill>
-            </a:endParaRPr>
-          </a:p>
-          <a:p>
-            <a:pPr indent="0" lvl="0" marL="0" rtl="0" algn="l">
-              <a:lnSpc>
-                <a:spcPct val="100000"/>
-              </a:lnSpc>
-              <a:spcBef>
-                <a:spcPts val="0"/>
-              </a:spcBef>
-              <a:spcAft>
-                <a:spcPts val="0"/>
-              </a:spcAft>
-              <a:buNone/>
-            </a:pPr>
-            <a:r>
-              <a:t/>
-            </a:r>
-            <a:endParaRPr>
-              <a:solidFill>
-                <a:srgbClr val="000000"/>
-              </a:solidFill>
-            </a:endParaRPr>
-          </a:p>
-          <a:p>
-            <a:pPr indent="0" lvl="0" marL="0" rtl="0" algn="l">
-              <a:lnSpc>
-                <a:spcPct val="100000"/>
-              </a:lnSpc>
-              <a:spcBef>
-                <a:spcPts val="0"/>
-              </a:spcBef>
-              <a:spcAft>
-                <a:spcPts val="0"/>
-              </a:spcAft>
-              <a:buNone/>
-            </a:pPr>
-            <a:r>
-              <a:t/>
-            </a:r>
-            <a:endParaRPr>
-              <a:solidFill>
-                <a:srgbClr val="000000"/>
-              </a:solidFill>
-            </a:endParaRPr>
-          </a:p>
-          <a:p>
-            <a:pPr indent="0" lvl="0" marL="0" rtl="0" algn="l">
-              <a:spcBef>
-                <a:spcPts val="0"/>
-              </a:spcBef>
-              <a:spcAft>
-                <a:spcPts val="1200"/>
-              </a:spcAft>
-              <a:buNone/>
-            </a:pPr>
-            <a:r>
-              <a:t/>
-            </a:r>
-            <a:endParaRPr/>
+              <a:spcBef>
+                <a:spcPts val="0"/>
+              </a:spcBef>
+              <a:spcAft>
+                <a:spcPts val="0"/>
+              </a:spcAft>
+              <a:buNone/>
+            </a:pPr>
+            <a:r>
+              <a:rPr lang="en" sz="1500"/>
+              <a:t>Locality</a:t>
+            </a:r>
+            <a:endParaRPr sz="1500"/>
           </a:p>
         </p:txBody>
       </p:sp>
